--- a/Slides/3_Ethics.pptx
+++ b/Slides/3_Ethics.pptx
@@ -122,6 +122,190 @@
 </p:presentation>
 </file>
 
+<file path=ppt/revisionInfo.xml><?xml version="1.0" encoding="utf-8"?>
+<p1510:revInfo xmlns:a="http://schemas.openxmlformats.org/drawingml/2006/main" xmlns:r="http://schemas.openxmlformats.org/officeDocument/2006/relationships" xmlns:p1510="http://schemas.microsoft.com/office/powerpoint/2015/10/main">
+  <p1510:revLst>
+    <p1510:client id="{2C287D57-8C14-B2FE-8448-286875F2F806}" v="7" dt="2024-03-17T15:16:24.960"/>
+    <p1510:client id="{899FEF10-C238-681B-03A4-58654D1B0D3A}" v="16" dt="2024-03-17T15:14:31.344"/>
+    <p1510:client id="{A7E0F8B7-34F8-CE2F-20B4-D28530EE9AB9}" v="339" dt="2024-03-17T15:12:39.423"/>
+  </p1510:revLst>
+</p1510:revInfo>
+</file>
+
+<file path=ppt/changesInfos/changesInfo1.xml><?xml version="1.0" encoding="utf-8"?>
+<pc:chgInfo xmlns:a="http://schemas.openxmlformats.org/drawingml/2006/main" xmlns:r="http://schemas.openxmlformats.org/officeDocument/2006/relationships" xmlns:ac="http://schemas.microsoft.com/office/drawing/2013/main/command" xmlns:pc="http://schemas.microsoft.com/office/powerpoint/2013/main/command">
+  <pc:docChgLst>
+    <pc:chgData name="Jayne Fitzgerald" userId="S::jhf41@cam.ac.uk::00fc2694-35e2-4d2f-bb1f-a23dbf8f949f" providerId="AD" clId="Web-{2C287D57-8C14-B2FE-8448-286875F2F806}"/>
+    <pc:docChg chg="addSld delSld">
+      <pc:chgData name="Jayne Fitzgerald" userId="S::jhf41@cam.ac.uk::00fc2694-35e2-4d2f-bb1f-a23dbf8f949f" providerId="AD" clId="Web-{2C287D57-8C14-B2FE-8448-286875F2F806}" dt="2024-03-17T15:16:24.960" v="5"/>
+      <pc:docMkLst>
+        <pc:docMk/>
+      </pc:docMkLst>
+      <pc:sldChg chg="del">
+        <pc:chgData name="Jayne Fitzgerald" userId="S::jhf41@cam.ac.uk::00fc2694-35e2-4d2f-bb1f-a23dbf8f949f" providerId="AD" clId="Web-{2C287D57-8C14-B2FE-8448-286875F2F806}" dt="2024-03-17T15:16:16.225" v="2"/>
+        <pc:sldMkLst>
+          <pc:docMk/>
+          <pc:sldMk cId="352964798" sldId="334"/>
+        </pc:sldMkLst>
+      </pc:sldChg>
+      <pc:sldChg chg="add del">
+        <pc:chgData name="Jayne Fitzgerald" userId="S::jhf41@cam.ac.uk::00fc2694-35e2-4d2f-bb1f-a23dbf8f949f" providerId="AD" clId="Web-{2C287D57-8C14-B2FE-8448-286875F2F806}" dt="2024-03-17T15:16:24.960" v="5"/>
+        <pc:sldMkLst>
+          <pc:docMk/>
+          <pc:sldMk cId="2411698067" sldId="335"/>
+        </pc:sldMkLst>
+      </pc:sldChg>
+      <pc:sldChg chg="del">
+        <pc:chgData name="Jayne Fitzgerald" userId="S::jhf41@cam.ac.uk::00fc2694-35e2-4d2f-bb1f-a23dbf8f949f" providerId="AD" clId="Web-{2C287D57-8C14-B2FE-8448-286875F2F806}" dt="2024-03-17T15:16:12.647" v="0"/>
+        <pc:sldMkLst>
+          <pc:docMk/>
+          <pc:sldMk cId="1435606131" sldId="336"/>
+        </pc:sldMkLst>
+      </pc:sldChg>
+      <pc:sldChg chg="del">
+        <pc:chgData name="Jayne Fitzgerald" userId="S::jhf41@cam.ac.uk::00fc2694-35e2-4d2f-bb1f-a23dbf8f949f" providerId="AD" clId="Web-{2C287D57-8C14-B2FE-8448-286875F2F806}" dt="2024-03-17T15:16:13.944" v="1"/>
+        <pc:sldMkLst>
+          <pc:docMk/>
+          <pc:sldMk cId="124660562" sldId="337"/>
+        </pc:sldMkLst>
+      </pc:sldChg>
+    </pc:docChg>
+  </pc:docChgLst>
+  <pc:docChgLst>
+    <pc:chgData name="Jayne Fitzgerald" userId="S::jhf41@cam.ac.uk::00fc2694-35e2-4d2f-bb1f-a23dbf8f949f" providerId="AD" clId="Web-{A7E0F8B7-34F8-CE2F-20B4-D28530EE9AB9}"/>
+    <pc:docChg chg="addSld delSld modSld sldOrd">
+      <pc:chgData name="Jayne Fitzgerald" userId="S::jhf41@cam.ac.uk::00fc2694-35e2-4d2f-bb1f-a23dbf8f949f" providerId="AD" clId="Web-{A7E0F8B7-34F8-CE2F-20B4-D28530EE9AB9}" dt="2024-03-17T15:12:39.423" v="337" actId="1076"/>
+      <pc:docMkLst>
+        <pc:docMk/>
+      </pc:docMkLst>
+      <pc:sldChg chg="modSp add replId">
+        <pc:chgData name="Jayne Fitzgerald" userId="S::jhf41@cam.ac.uk::00fc2694-35e2-4d2f-bb1f-a23dbf8f949f" providerId="AD" clId="Web-{A7E0F8B7-34F8-CE2F-20B4-D28530EE9AB9}" dt="2024-03-17T15:08:58.870" v="223" actId="20577"/>
+        <pc:sldMkLst>
+          <pc:docMk/>
+          <pc:sldMk cId="352964798" sldId="334"/>
+        </pc:sldMkLst>
+        <pc:spChg chg="mod">
+          <ac:chgData name="Jayne Fitzgerald" userId="S::jhf41@cam.ac.uk::00fc2694-35e2-4d2f-bb1f-a23dbf8f949f" providerId="AD" clId="Web-{A7E0F8B7-34F8-CE2F-20B4-D28530EE9AB9}" dt="2024-03-17T15:05:09.098" v="26" actId="20577"/>
+          <ac:spMkLst>
+            <pc:docMk/>
+            <pc:sldMk cId="352964798" sldId="334"/>
+            <ac:spMk id="2" creationId="{40F441F6-9011-829E-50A8-62EAA5315887}"/>
+          </ac:spMkLst>
+        </pc:spChg>
+        <pc:spChg chg="mod">
+          <ac:chgData name="Jayne Fitzgerald" userId="S::jhf41@cam.ac.uk::00fc2694-35e2-4d2f-bb1f-a23dbf8f949f" providerId="AD" clId="Web-{A7E0F8B7-34F8-CE2F-20B4-D28530EE9AB9}" dt="2024-03-17T15:08:58.870" v="223" actId="20577"/>
+          <ac:spMkLst>
+            <pc:docMk/>
+            <pc:sldMk cId="352964798" sldId="334"/>
+            <ac:spMk id="4" creationId="{CA04DB3D-F7B0-7731-6900-C16CEEBF6BDE}"/>
+          </ac:spMkLst>
+        </pc:spChg>
+      </pc:sldChg>
+      <pc:sldChg chg="modSp add ord replId">
+        <pc:chgData name="Jayne Fitzgerald" userId="S::jhf41@cam.ac.uk::00fc2694-35e2-4d2f-bb1f-a23dbf8f949f" providerId="AD" clId="Web-{A7E0F8B7-34F8-CE2F-20B4-D28530EE9AB9}" dt="2024-03-17T15:06:57.851" v="117" actId="20577"/>
+        <pc:sldMkLst>
+          <pc:docMk/>
+          <pc:sldMk cId="2411698067" sldId="335"/>
+        </pc:sldMkLst>
+        <pc:spChg chg="mod">
+          <ac:chgData name="Jayne Fitzgerald" userId="S::jhf41@cam.ac.uk::00fc2694-35e2-4d2f-bb1f-a23dbf8f949f" providerId="AD" clId="Web-{A7E0F8B7-34F8-CE2F-20B4-D28530EE9AB9}" dt="2024-03-17T15:06:57.851" v="117" actId="20577"/>
+          <ac:spMkLst>
+            <pc:docMk/>
+            <pc:sldMk cId="2411698067" sldId="335"/>
+            <ac:spMk id="2" creationId="{BDB5C344-64F8-37CC-4C30-5A90EB459AAA}"/>
+          </ac:spMkLst>
+        </pc:spChg>
+      </pc:sldChg>
+      <pc:sldChg chg="add del replId">
+        <pc:chgData name="Jayne Fitzgerald" userId="S::jhf41@cam.ac.uk::00fc2694-35e2-4d2f-bb1f-a23dbf8f949f" providerId="AD" clId="Web-{A7E0F8B7-34F8-CE2F-20B4-D28530EE9AB9}" dt="2024-03-17T15:08:05.447" v="167"/>
+        <pc:sldMkLst>
+          <pc:docMk/>
+          <pc:sldMk cId="340649299" sldId="336"/>
+        </pc:sldMkLst>
+      </pc:sldChg>
+      <pc:sldChg chg="add ord replId">
+        <pc:chgData name="Jayne Fitzgerald" userId="S::jhf41@cam.ac.uk::00fc2694-35e2-4d2f-bb1f-a23dbf8f949f" providerId="AD" clId="Web-{A7E0F8B7-34F8-CE2F-20B4-D28530EE9AB9}" dt="2024-03-17T15:08:10.369" v="169"/>
+        <pc:sldMkLst>
+          <pc:docMk/>
+          <pc:sldMk cId="1435606131" sldId="336"/>
+        </pc:sldMkLst>
+      </pc:sldChg>
+      <pc:sldChg chg="addSp delSp modSp add replId">
+        <pc:chgData name="Jayne Fitzgerald" userId="S::jhf41@cam.ac.uk::00fc2694-35e2-4d2f-bb1f-a23dbf8f949f" providerId="AD" clId="Web-{A7E0F8B7-34F8-CE2F-20B4-D28530EE9AB9}" dt="2024-03-17T15:12:39.423" v="337" actId="1076"/>
+        <pc:sldMkLst>
+          <pc:docMk/>
+          <pc:sldMk cId="124660562" sldId="337"/>
+        </pc:sldMkLst>
+        <pc:spChg chg="mod">
+          <ac:chgData name="Jayne Fitzgerald" userId="S::jhf41@cam.ac.uk::00fc2694-35e2-4d2f-bb1f-a23dbf8f949f" providerId="AD" clId="Web-{A7E0F8B7-34F8-CE2F-20B4-D28530EE9AB9}" dt="2024-03-17T15:10:12.466" v="254" actId="20577"/>
+          <ac:spMkLst>
+            <pc:docMk/>
+            <pc:sldMk cId="124660562" sldId="337"/>
+            <ac:spMk id="2" creationId="{A12290F5-D9F2-723F-E375-2F12B89C7F15}"/>
+          </ac:spMkLst>
+        </pc:spChg>
+        <pc:spChg chg="del mod">
+          <ac:chgData name="Jayne Fitzgerald" userId="S::jhf41@cam.ac.uk::00fc2694-35e2-4d2f-bb1f-a23dbf8f949f" providerId="AD" clId="Web-{A7E0F8B7-34F8-CE2F-20B4-D28530EE9AB9}" dt="2024-03-17T15:11:19.327" v="292"/>
+          <ac:spMkLst>
+            <pc:docMk/>
+            <pc:sldMk cId="124660562" sldId="337"/>
+            <ac:spMk id="4" creationId="{25F67E17-63D9-19C7-BD2F-D764490F7C35}"/>
+          </ac:spMkLst>
+        </pc:spChg>
+        <pc:spChg chg="add mod">
+          <ac:chgData name="Jayne Fitzgerald" userId="S::jhf41@cam.ac.uk::00fc2694-35e2-4d2f-bb1f-a23dbf8f949f" providerId="AD" clId="Web-{A7E0F8B7-34F8-CE2F-20B4-D28530EE9AB9}" dt="2024-03-17T15:12:39.423" v="337" actId="1076"/>
+          <ac:spMkLst>
+            <pc:docMk/>
+            <pc:sldMk cId="124660562" sldId="337"/>
+            <ac:spMk id="6" creationId="{8CE9D759-1F84-5382-112C-4AF628C4F8FF}"/>
+          </ac:spMkLst>
+        </pc:spChg>
+        <pc:picChg chg="add mod">
+          <ac:chgData name="Jayne Fitzgerald" userId="S::jhf41@cam.ac.uk::00fc2694-35e2-4d2f-bb1f-a23dbf8f949f" providerId="AD" clId="Web-{A7E0F8B7-34F8-CE2F-20B4-D28530EE9AB9}" dt="2024-03-17T15:10:05.434" v="243" actId="1076"/>
+          <ac:picMkLst>
+            <pc:docMk/>
+            <pc:sldMk cId="124660562" sldId="337"/>
+            <ac:picMk id="3" creationId="{0417326B-FC21-ABEF-3084-3E03482F4B74}"/>
+          </ac:picMkLst>
+        </pc:picChg>
+      </pc:sldChg>
+    </pc:docChg>
+  </pc:docChgLst>
+  <pc:docChgLst>
+    <pc:chgData name="Jayne Fitzgerald" userId="S::jhf41@cam.ac.uk::00fc2694-35e2-4d2f-bb1f-a23dbf8f949f" providerId="AD" clId="Web-{899FEF10-C238-681B-03A4-58654D1B0D3A}"/>
+    <pc:docChg chg="modSld">
+      <pc:chgData name="Jayne Fitzgerald" userId="S::jhf41@cam.ac.uk::00fc2694-35e2-4d2f-bb1f-a23dbf8f949f" providerId="AD" clId="Web-{899FEF10-C238-681B-03A4-58654D1B0D3A}" dt="2024-03-17T15:14:31.344" v="13"/>
+      <pc:docMkLst>
+        <pc:docMk/>
+      </pc:docMkLst>
+      <pc:sldChg chg="addSp modSp">
+        <pc:chgData name="Jayne Fitzgerald" userId="S::jhf41@cam.ac.uk::00fc2694-35e2-4d2f-bb1f-a23dbf8f949f" providerId="AD" clId="Web-{899FEF10-C238-681B-03A4-58654D1B0D3A}" dt="2024-03-17T15:14:31.344" v="13"/>
+        <pc:sldMkLst>
+          <pc:docMk/>
+          <pc:sldMk cId="124660562" sldId="337"/>
+        </pc:sldMkLst>
+        <pc:spChg chg="mod">
+          <ac:chgData name="Jayne Fitzgerald" userId="S::jhf41@cam.ac.uk::00fc2694-35e2-4d2f-bb1f-a23dbf8f949f" providerId="AD" clId="Web-{899FEF10-C238-681B-03A4-58654D1B0D3A}" dt="2024-03-17T15:14:31.344" v="13"/>
+          <ac:spMkLst>
+            <pc:docMk/>
+            <pc:sldMk cId="124660562" sldId="337"/>
+            <ac:spMk id="6" creationId="{8CE9D759-1F84-5382-112C-4AF628C4F8FF}"/>
+          </ac:spMkLst>
+        </pc:spChg>
+        <pc:picChg chg="add mod">
+          <ac:chgData name="Jayne Fitzgerald" userId="S::jhf41@cam.ac.uk::00fc2694-35e2-4d2f-bb1f-a23dbf8f949f" providerId="AD" clId="Web-{899FEF10-C238-681B-03A4-58654D1B0D3A}" dt="2024-03-17T15:14:20.484" v="7" actId="1076"/>
+          <ac:picMkLst>
+            <pc:docMk/>
+            <pc:sldMk cId="124660562" sldId="337"/>
+            <ac:picMk id="5" creationId="{B031F90A-2E46-091E-4E8D-B574D112C067}"/>
+          </ac:picMkLst>
+        </pc:picChg>
+      </pc:sldChg>
+    </pc:docChg>
+  </pc:docChgLst>
+</pc:chgInfo>
+</file>
+
 <file path=ppt/notesMasters/notesMaster1.xml><?xml version="1.0" encoding="utf-8"?>
 <p:notesMaster xmlns:a="http://schemas.openxmlformats.org/drawingml/2006/main" xmlns:r="http://schemas.openxmlformats.org/officeDocument/2006/relationships" xmlns:p="http://schemas.openxmlformats.org/presentationml/2006/main">
   <p:cSld>
@@ -204,7 +388,7 @@
           <a:p>
             <a:fld id="{B329615D-A22A-5B43-A275-442AE3DF8B9B}" type="datetimeFigureOut">
               <a:rPr lang="en-US" smtClean="0"/>
-              <a:t>2/20/24</a:t>
+              <a:t>3/17/2024</a:t>
             </a:fld>
             <a:endParaRPr lang="en-US"/>
           </a:p>
@@ -513,143 +697,31 @@
         </p:nvSpPr>
         <p:spPr/>
       </p:sp>
-      <mc:AlternateContent xmlns:mc="http://schemas.openxmlformats.org/markup-compatibility/2006" xmlns:a14="http://schemas.microsoft.com/office/drawing/2010/main">
-        <mc:Choice Requires="a14">
-          <p:sp>
-            <p:nvSpPr>
-              <p:cNvPr id="3" name="Notes Placeholder 2">
-                <a:extLst>
-                  <a:ext uri="{FF2B5EF4-FFF2-40B4-BE49-F238E27FC236}">
-                    <a16:creationId xmlns:a16="http://schemas.microsoft.com/office/drawing/2014/main" id="{8C191B8F-A24C-8F85-44B4-870C4AF6DADA}"/>
-                  </a:ext>
-                </a:extLst>
-              </p:cNvPr>
-              <p:cNvSpPr>
-                <a:spLocks noGrp="1"/>
-              </p:cNvSpPr>
-              <p:nvPr>
-                <p:ph type="body" idx="1"/>
-              </p:nvPr>
-            </p:nvSpPr>
-            <p:spPr/>
-            <p:txBody>
-              <a:bodyPr/>
-              <a:lstStyle/>
-              <a:p>
-                <a:endParaRPr lang="en-US" dirty="0"/>
-              </a:p>
-            </p:txBody>
-          </p:sp>
-        </mc:Choice>
-        <mc:Fallback xmlns="">
-          <p:sp>
-            <p:nvSpPr>
-              <p:cNvPr id="3" name="Notes Placeholder 2">
-                <a:extLst>
-                  <a:ext uri="{FF2B5EF4-FFF2-40B4-BE49-F238E27FC236}">
-                    <a16:creationId xmlns:a16="http://schemas.microsoft.com/office/drawing/2014/main" id="{8C191B8F-A24C-8F85-44B4-870C4AF6DADA}"/>
-                  </a:ext>
-                </a:extLst>
-              </p:cNvPr>
-              <p:cNvSpPr>
-                <a:spLocks noGrp="1"/>
-              </p:cNvSpPr>
-              <p:nvPr>
-                <p:ph type="body" idx="1"/>
-              </p:nvPr>
-            </p:nvSpPr>
-            <p:spPr/>
-            <p:txBody>
-              <a:bodyPr/>
-              <a:lstStyle/>
-              <a:p>
-                <a:r>
-                  <a:rPr lang="en-US" dirty="0"/>
-                  <a:t>Intro to </a:t>
-                </a:r>
-                <a:r>
-                  <a:rPr lang="en-US" dirty="0" err="1"/>
-                  <a:t>LoRA</a:t>
-                </a:r>
-                <a:r>
-                  <a:rPr lang="en-US" dirty="0"/>
-                  <a:t>:</a:t>
-                </a:r>
-              </a:p>
-              <a:p>
-                <a:endParaRPr lang="en-US" dirty="0"/>
-              </a:p>
-              <a:p>
-                <a:endParaRPr lang="en-US" dirty="0"/>
-              </a:p>
-              <a:p>
-                <a:r>
-                  <a:rPr lang="en-US" dirty="0"/>
-                  <a:t>PEFT Library</a:t>
-                </a:r>
-              </a:p>
-              <a:p>
-                <a:endParaRPr lang="en-US" dirty="0"/>
-              </a:p>
-              <a:p>
-                <a:r>
-                  <a:rPr lang="en-US" dirty="0"/>
-                  <a:t>Typically, NN weights are normally distributed around 0, with some standard deviation </a:t>
-                </a:r>
-                <a:r>
-                  <a:rPr lang="en-GB" b="0" i="0">
-                    <a:latin typeface="Cambria Math" panose="02040503050406030204" pitchFamily="18" charset="0"/>
-                  </a:rPr>
-                  <a:t>𝜎</a:t>
-                </a:r>
-                <a:r>
-                  <a:rPr lang="en-US" dirty="0"/>
-                  <a:t>. This means that we can scale the weights</a:t>
-                </a:r>
-                <a:r>
-                  <a:rPr lang="en-US" baseline="0" dirty="0"/>
-                  <a:t> to any range we want, just by scaling the standard deviation.</a:t>
-                </a:r>
-              </a:p>
-              <a:p>
-                <a:endParaRPr lang="en-US" baseline="0" dirty="0"/>
-              </a:p>
-              <a:p>
-                <a:r>
-                  <a:rPr lang="en-US" baseline="0" dirty="0"/>
-                  <a:t>With NF4, divide the distribution of weights in quantiles, and essentially bin the weights into those quantiles.</a:t>
-                </a:r>
-              </a:p>
-              <a:p>
-                <a:endParaRPr lang="en-US" baseline="0" dirty="0"/>
-              </a:p>
-              <a:p>
-                <a:r>
-                  <a:rPr lang="en-US" baseline="0" dirty="0"/>
-                  <a:t>In </a:t>
-                </a:r>
-                <a:r>
-                  <a:rPr lang="en-US" baseline="0" dirty="0" err="1"/>
-                  <a:t>QLoRA</a:t>
-                </a:r>
-                <a:r>
-                  <a:rPr lang="en-US" baseline="0" dirty="0"/>
-                  <a:t>, we first get the low-rank matrices for the weights, then we quantize the weights, but A and B are kept in their high-precision form. We only compute the gradients for the </a:t>
-                </a:r>
-                <a:r>
-                  <a:rPr lang="en-US" baseline="0" dirty="0" err="1"/>
-                  <a:t>LoRA</a:t>
-                </a:r>
-                <a:r>
-                  <a:rPr lang="en-US" baseline="0" dirty="0"/>
-                  <a:t> parameters. However, what happens on the forward and backward passes? We can’t add two different datatypes</a:t>
-                </a:r>
-                <a:endParaRPr lang="en-US" dirty="0"/>
-              </a:p>
-            </p:txBody>
-          </p:sp>
-        </mc:Fallback>
-      </mc:AlternateContent>
+      <p:sp>
+        <p:nvSpPr>
+          <p:cNvPr id="3" name="Notes Placeholder 2">
+            <a:extLst>
+              <a:ext uri="{FF2B5EF4-FFF2-40B4-BE49-F238E27FC236}">
+                <a16:creationId xmlns:a16="http://schemas.microsoft.com/office/drawing/2014/main" id="{8C191B8F-A24C-8F85-44B4-870C4AF6DADA}"/>
+              </a:ext>
+            </a:extLst>
+          </p:cNvPr>
+          <p:cNvSpPr>
+            <a:spLocks noGrp="1"/>
+          </p:cNvSpPr>
+          <p:nvPr>
+            <p:ph type="body" idx="1"/>
+          </p:nvPr>
+        </p:nvSpPr>
+        <p:spPr/>
+        <p:txBody>
+          <a:bodyPr/>
+          <a:lstStyle/>
+          <a:p>
+            <a:endParaRPr lang="en-US"/>
+          </a:p>
+        </p:txBody>
+      </p:sp>
       <p:sp>
         <p:nvSpPr>
           <p:cNvPr id="4" name="Slide Number Placeholder 3">
@@ -733,167 +805,55 @@
         </p:nvSpPr>
         <p:spPr/>
       </p:sp>
-      <mc:AlternateContent xmlns:mc="http://schemas.openxmlformats.org/markup-compatibility/2006" xmlns:a14="http://schemas.microsoft.com/office/drawing/2010/main">
-        <mc:Choice Requires="a14">
-          <p:sp>
-            <p:nvSpPr>
-              <p:cNvPr id="3" name="Notes Placeholder 2">
-                <a:extLst>
-                  <a:ext uri="{FF2B5EF4-FFF2-40B4-BE49-F238E27FC236}">
-                    <a16:creationId xmlns:a16="http://schemas.microsoft.com/office/drawing/2014/main" id="{8C191B8F-A24C-8F85-44B4-870C4AF6DADA}"/>
-                  </a:ext>
-                </a:extLst>
-              </p:cNvPr>
-              <p:cNvSpPr>
-                <a:spLocks noGrp="1"/>
-              </p:cNvSpPr>
-              <p:nvPr>
-                <p:ph type="body" idx="1"/>
-              </p:nvPr>
-            </p:nvSpPr>
-            <p:spPr/>
-            <p:txBody>
-              <a:bodyPr/>
-              <a:lstStyle/>
-              <a:p>
-                <a:pPr marL="0" marR="0" lvl="0" indent="0" algn="l" defTabSz="914400" rtl="0" eaLnBrk="1" fontAlgn="auto" latinLnBrk="0" hangingPunct="1">
-                  <a:lnSpc>
-                    <a:spcPct val="100000"/>
-                  </a:lnSpc>
-                  <a:spcBef>
-                    <a:spcPts val="0"/>
-                  </a:spcBef>
-                  <a:spcAft>
-                    <a:spcPts val="0"/>
-                  </a:spcAft>
-                  <a:buClrTx/>
-                  <a:buSzTx/>
-                  <a:buFontTx/>
-                  <a:buNone/>
-                  <a:tabLst/>
-                  <a:defRPr/>
-                </a:pPr>
-                <a:r>
-                  <a:rPr lang="en-US" dirty="0">
-                    <a:solidFill>
-                      <a:srgbClr val="404040"/>
-                    </a:solidFill>
-                  </a:rPr>
-                  <a:t>Reliance on external private organization (e.g. for compute resources) exposes you to ethical risk. You could be potentially contributing to or benefitting from some down- or upstream ethical issue.</a:t>
-                </a:r>
-              </a:p>
-            </p:txBody>
-          </p:sp>
-        </mc:Choice>
-        <mc:Fallback xmlns="">
-          <p:sp>
-            <p:nvSpPr>
-              <p:cNvPr id="3" name="Notes Placeholder 2">
-                <a:extLst>
-                  <a:ext uri="{FF2B5EF4-FFF2-40B4-BE49-F238E27FC236}">
-                    <a16:creationId xmlns:a16="http://schemas.microsoft.com/office/drawing/2014/main" id="{8C191B8F-A24C-8F85-44B4-870C4AF6DADA}"/>
-                  </a:ext>
-                </a:extLst>
-              </p:cNvPr>
-              <p:cNvSpPr>
-                <a:spLocks noGrp="1"/>
-              </p:cNvSpPr>
-              <p:nvPr>
-                <p:ph type="body" idx="1"/>
-              </p:nvPr>
-            </p:nvSpPr>
-            <p:spPr/>
-            <p:txBody>
-              <a:bodyPr/>
-              <a:lstStyle/>
-              <a:p>
-                <a:r>
-                  <a:rPr lang="en-US" dirty="0"/>
-                  <a:t>Intro to </a:t>
-                </a:r>
-                <a:r>
-                  <a:rPr lang="en-US" dirty="0" err="1"/>
-                  <a:t>LoRA</a:t>
-                </a:r>
-                <a:r>
-                  <a:rPr lang="en-US" dirty="0"/>
-                  <a:t>:</a:t>
-                </a:r>
-              </a:p>
-              <a:p>
-                <a:endParaRPr lang="en-US" dirty="0"/>
-              </a:p>
-              <a:p>
-                <a:endParaRPr lang="en-US" dirty="0"/>
-              </a:p>
-              <a:p>
-                <a:r>
-                  <a:rPr lang="en-US" dirty="0"/>
-                  <a:t>PEFT Library</a:t>
-                </a:r>
-              </a:p>
-              <a:p>
-                <a:endParaRPr lang="en-US" dirty="0"/>
-              </a:p>
-              <a:p>
-                <a:r>
-                  <a:rPr lang="en-US" dirty="0"/>
-                  <a:t>Typically, NN weights are normally distributed around 0, with some standard deviation </a:t>
-                </a:r>
-                <a:r>
-                  <a:rPr lang="en-GB" b="0" i="0">
-                    <a:latin typeface="Cambria Math" panose="02040503050406030204" pitchFamily="18" charset="0"/>
-                  </a:rPr>
-                  <a:t>𝜎</a:t>
-                </a:r>
-                <a:r>
-                  <a:rPr lang="en-US" dirty="0"/>
-                  <a:t>. This means that we can scale the weights</a:t>
-                </a:r>
-                <a:r>
-                  <a:rPr lang="en-US" baseline="0" dirty="0"/>
-                  <a:t> to any range we want, just by scaling the standard deviation.</a:t>
-                </a:r>
-              </a:p>
-              <a:p>
-                <a:endParaRPr lang="en-US" baseline="0" dirty="0"/>
-              </a:p>
-              <a:p>
-                <a:r>
-                  <a:rPr lang="en-US" baseline="0" dirty="0"/>
-                  <a:t>With NF4, divide the distribution of weights in quantiles, and essentially bin the weights into those quantiles.</a:t>
-                </a:r>
-              </a:p>
-              <a:p>
-                <a:endParaRPr lang="en-US" baseline="0" dirty="0"/>
-              </a:p>
-              <a:p>
-                <a:r>
-                  <a:rPr lang="en-US" baseline="0" dirty="0"/>
-                  <a:t>In </a:t>
-                </a:r>
-                <a:r>
-                  <a:rPr lang="en-US" baseline="0" dirty="0" err="1"/>
-                  <a:t>QLoRA</a:t>
-                </a:r>
-                <a:r>
-                  <a:rPr lang="en-US" baseline="0" dirty="0"/>
-                  <a:t>, we first get the low-rank matrices for the weights, then we quantize the weights, but A and B are kept in their high-precision form. We only compute the gradients for the </a:t>
-                </a:r>
-                <a:r>
-                  <a:rPr lang="en-US" baseline="0" dirty="0" err="1"/>
-                  <a:t>LoRA</a:t>
-                </a:r>
-                <a:r>
-                  <a:rPr lang="en-US" baseline="0" dirty="0"/>
-                  <a:t> parameters. However, what happens on the forward and backward passes? We can’t add two different datatypes</a:t>
-                </a:r>
-                <a:endParaRPr lang="en-US" dirty="0"/>
-              </a:p>
-            </p:txBody>
-          </p:sp>
-        </mc:Fallback>
-      </mc:AlternateContent>
+      <p:sp>
+        <p:nvSpPr>
+          <p:cNvPr id="3" name="Notes Placeholder 2">
+            <a:extLst>
+              <a:ext uri="{FF2B5EF4-FFF2-40B4-BE49-F238E27FC236}">
+                <a16:creationId xmlns:a16="http://schemas.microsoft.com/office/drawing/2014/main" id="{8C191B8F-A24C-8F85-44B4-870C4AF6DADA}"/>
+              </a:ext>
+            </a:extLst>
+          </p:cNvPr>
+          <p:cNvSpPr>
+            <a:spLocks noGrp="1"/>
+          </p:cNvSpPr>
+          <p:nvPr>
+            <p:ph type="body" idx="1"/>
+          </p:nvPr>
+        </p:nvSpPr>
+        <p:spPr/>
+        <p:txBody>
+          <a:bodyPr/>
+          <a:lstStyle/>
+          <a:p>
+            <a:pPr marL="0" marR="0" lvl="0" indent="0" algn="l" defTabSz="914400" rtl="0" eaLnBrk="1" fontAlgn="auto" latinLnBrk="0" hangingPunct="1">
+              <a:lnSpc>
+                <a:spcPct val="100000"/>
+              </a:lnSpc>
+              <a:spcBef>
+                <a:spcPts val="0"/>
+              </a:spcBef>
+              <a:spcAft>
+                <a:spcPts val="0"/>
+              </a:spcAft>
+              <a:buClrTx/>
+              <a:buSzTx/>
+              <a:buFontTx/>
+              <a:buNone/>
+              <a:tabLst/>
+              <a:defRPr/>
+            </a:pPr>
+            <a:r>
+              <a:rPr lang="en-US">
+                <a:solidFill>
+                  <a:srgbClr val="404040"/>
+                </a:solidFill>
+              </a:rPr>
+              <a:t>Reliance on external private organization (e.g. for compute resources) exposes you to ethical risk. You could be potentially contributing to or benefitting from some down- or upstream ethical issue.</a:t>
+            </a:r>
+          </a:p>
+        </p:txBody>
+      </p:sp>
       <p:sp>
         <p:nvSpPr>
           <p:cNvPr id="4" name="Slide Number Placeholder 3">
@@ -999,217 +959,217 @@
           <a:lstStyle/>
           <a:p>
             <a:r>
-              <a:rPr lang="en-US" dirty="0"/>
+              <a:rPr lang="en-US"/>
               <a:t>We present here some general guidelines to using AI in your research.</a:t>
             </a:r>
           </a:p>
           <a:p>
-            <a:endParaRPr lang="en-US" dirty="0"/>
+            <a:endParaRPr lang="en-US"/>
           </a:p>
           <a:p>
             <a:pPr marL="380365" indent="-380365"/>
             <a:r>
-              <a:rPr lang="en-US" sz="1850" dirty="0"/>
+              <a:rPr lang="en-US" sz="1850"/>
               <a:t>Do No Harm</a:t>
             </a:r>
           </a:p>
           <a:p>
             <a:pPr marL="685175" lvl="1" indent="-380365"/>
             <a:r>
-              <a:rPr lang="en-US" sz="1583" dirty="0"/>
+              <a:rPr lang="en-US" sz="1583"/>
               <a:t>Try not go beyond what is necessary to achieve a specific aim. Risk assessment should be used to prevent harms.</a:t>
             </a:r>
           </a:p>
           <a:p>
             <a:pPr marL="685175" lvl="1" indent="-380365"/>
-            <a:endParaRPr lang="en-US" sz="1583" dirty="0"/>
+            <a:endParaRPr lang="en-US" sz="1583"/>
           </a:p>
           <a:p>
             <a:pPr marL="380365" indent="-380365"/>
             <a:r>
-              <a:rPr lang="en-US" sz="1850" dirty="0"/>
+              <a:rPr lang="en-US" sz="1850"/>
               <a:t>Safety and Security</a:t>
             </a:r>
           </a:p>
           <a:p>
             <a:pPr marL="685175" lvl="1" indent="-380365"/>
             <a:r>
-              <a:rPr lang="en-US" sz="1583" dirty="0"/>
+              <a:rPr lang="en-US" sz="1583"/>
               <a:t>Vulnerabilities to attack should be addressed. Sometimes, fairly routine libraries are exposed to security vulnerabilities</a:t>
             </a:r>
           </a:p>
           <a:p>
             <a:pPr marL="685175" lvl="1" indent="-380365"/>
-            <a:endParaRPr lang="en-US" sz="1583" dirty="0"/>
+            <a:endParaRPr lang="en-US" sz="1583"/>
           </a:p>
           <a:p>
             <a:pPr marL="380365" indent="-380365"/>
             <a:r>
-              <a:rPr lang="en-US" sz="1850" dirty="0"/>
+              <a:rPr lang="en-US" sz="1850"/>
               <a:t>Privacy and protection</a:t>
             </a:r>
           </a:p>
           <a:p>
             <a:pPr marL="685175" lvl="1" indent="-380365"/>
             <a:r>
-              <a:rPr lang="en-US" sz="1583" dirty="0"/>
+              <a:rPr lang="en-US" sz="1583"/>
               <a:t>Privacy must be protected throughout, and adequate data protection frameworks should be established.</a:t>
             </a:r>
           </a:p>
           <a:p>
             <a:pPr marL="685175" lvl="1" indent="-380365"/>
-            <a:endParaRPr lang="en-US" sz="1583" dirty="0"/>
+            <a:endParaRPr lang="en-US" sz="1583"/>
           </a:p>
           <a:p>
             <a:pPr marL="380365" indent="-380365"/>
             <a:r>
-              <a:rPr lang="en-US" sz="1850" dirty="0"/>
+              <a:rPr lang="en-US" sz="1850"/>
               <a:t>Accountability</a:t>
             </a:r>
           </a:p>
           <a:p>
             <a:pPr marL="685175" lvl="1" indent="-380365"/>
             <a:r>
-              <a:rPr lang="en-US" sz="1583" dirty="0"/>
+              <a:rPr lang="en-US" sz="1583"/>
               <a:t>All systems should be auditable and traceable. For example, in git, you can trace who made what changes.</a:t>
             </a:r>
           </a:p>
           <a:p>
             <a:pPr marL="685175" lvl="1" indent="-380365"/>
-            <a:endParaRPr lang="en-US" sz="1583" dirty="0"/>
+            <a:endParaRPr lang="en-US" sz="1583"/>
           </a:p>
           <a:p>
             <a:pPr marL="380365" indent="-380365"/>
             <a:r>
-              <a:rPr lang="en-US" sz="1850" dirty="0"/>
+              <a:rPr lang="en-US" sz="1850"/>
               <a:t>Transparency and </a:t>
             </a:r>
             <a:r>
-              <a:rPr lang="en-US" sz="1850" dirty="0" err="1"/>
+              <a:rPr lang="en-US" sz="1850" err="1"/>
               <a:t>explainability</a:t>
             </a:r>
-            <a:endParaRPr lang="en-US" sz="1850" dirty="0"/>
+            <a:endParaRPr lang="en-US" sz="1850"/>
           </a:p>
           <a:p>
             <a:pPr marL="685175" lvl="1" indent="-380365"/>
             <a:r>
-              <a:rPr lang="en-US" sz="1583" dirty="0"/>
+              <a:rPr lang="en-US" sz="1583"/>
               <a:t>The level of transparency and </a:t>
             </a:r>
             <a:r>
-              <a:rPr lang="en-US" sz="1583" dirty="0" err="1"/>
+              <a:rPr lang="en-US" sz="1583" err="1"/>
               <a:t>explainability</a:t>
             </a:r>
             <a:r>
-              <a:rPr lang="en-US" sz="1583" dirty="0"/>
+              <a:rPr lang="en-US" sz="1583"/>
               <a:t> should be appropriate so as not to conflict with privacy and safety.</a:t>
             </a:r>
           </a:p>
           <a:p>
             <a:pPr marL="685175" lvl="1" indent="-380365"/>
-            <a:endParaRPr lang="en-US" sz="1583" dirty="0"/>
+            <a:endParaRPr lang="en-US" sz="1583"/>
           </a:p>
           <a:p>
             <a:pPr marL="380365" indent="-380365"/>
             <a:r>
-              <a:rPr lang="en-US" sz="1850" dirty="0"/>
+              <a:rPr lang="en-US" sz="1850"/>
               <a:t>Human-in-the-loop</a:t>
             </a:r>
           </a:p>
           <a:p>
             <a:pPr marL="685175" lvl="1" indent="-380365"/>
             <a:r>
-              <a:rPr lang="en-US" sz="1583" dirty="0"/>
+              <a:rPr lang="en-US" sz="1583"/>
               <a:t>AI systems should never replace human responsibility and accountability. The amount of human interaction should be proportional to the risk from incorrect predictions.</a:t>
             </a:r>
           </a:p>
           <a:p>
             <a:pPr marL="685175" lvl="1" indent="-380365"/>
             <a:r>
-              <a:rPr lang="en-US" sz="1583" dirty="0"/>
+              <a:rPr lang="en-US" sz="1583"/>
               <a:t>For example, in medical applications, there should always be a human making the final decision. Risk should be considered to life, limb and property.</a:t>
             </a:r>
           </a:p>
           <a:p>
             <a:pPr marL="685175" lvl="1" indent="-380365"/>
-            <a:endParaRPr lang="en-US" sz="1583" dirty="0"/>
+            <a:endParaRPr lang="en-US" sz="1583"/>
           </a:p>
           <a:p>
             <a:pPr marL="380365" indent="-380365"/>
             <a:r>
-              <a:rPr lang="en-US" sz="1850" dirty="0"/>
+              <a:rPr lang="en-US" sz="1850"/>
               <a:t>Sustainability</a:t>
             </a:r>
           </a:p>
           <a:p>
             <a:pPr marL="685175" lvl="1" indent="-380365"/>
             <a:r>
-              <a:rPr lang="en-US" sz="1583" dirty="0"/>
+              <a:rPr lang="en-US" sz="1583"/>
               <a:t>Assess the impact of your research on the environment.</a:t>
             </a:r>
           </a:p>
           <a:p>
             <a:pPr marL="685175" lvl="1" indent="-380365"/>
             <a:r>
-              <a:rPr lang="en-US" sz="1583" dirty="0"/>
+              <a:rPr lang="en-US" sz="1583"/>
               <a:t>It’s easy to be disconnected from the environmental impact of training and deploying models, because you’re just connecting to a server or a cloud account.</a:t>
             </a:r>
           </a:p>
           <a:p>
             <a:pPr marL="685175" lvl="1" indent="-380365"/>
             <a:r>
-              <a:rPr lang="en-US" sz="1583" dirty="0"/>
+              <a:rPr lang="en-US" sz="1583"/>
               <a:t>An estimate suggests that querying </a:t>
             </a:r>
             <a:r>
-              <a:rPr lang="en-US" sz="1583" dirty="0" err="1"/>
+              <a:rPr lang="en-US" sz="1583" err="1"/>
               <a:t>ChatGPT</a:t>
             </a:r>
             <a:r>
-              <a:rPr lang="en-US" sz="1583" dirty="0"/>
+              <a:rPr lang="en-US" sz="1583"/>
               <a:t> costs ~1.5g CO2e [1]. The average petrol car produces about 170g/km. So you send 100 requests and it’s like driving a</a:t>
             </a:r>
           </a:p>
           <a:p>
             <a:pPr marL="685175" lvl="1" indent="-380365"/>
             <a:r>
-              <a:rPr lang="en-US" sz="1583" dirty="0"/>
+              <a:rPr lang="en-US" sz="1583"/>
               <a:t>kilometer</a:t>
             </a:r>
           </a:p>
           <a:p>
             <a:pPr marL="685175" lvl="1" indent="-380365"/>
-            <a:endParaRPr lang="en-US" sz="1583" dirty="0"/>
+            <a:endParaRPr lang="en-US" sz="1583"/>
           </a:p>
           <a:p>
             <a:pPr marL="380365" indent="-380365"/>
             <a:r>
-              <a:rPr lang="en-US" sz="1850" dirty="0"/>
+              <a:rPr lang="en-US" sz="1850"/>
               <a:t>Awareness</a:t>
             </a:r>
           </a:p>
           <a:p>
             <a:pPr marL="685175" lvl="1" indent="-380365"/>
             <a:r>
-              <a:rPr lang="en-US" sz="1583" dirty="0"/>
+              <a:rPr lang="en-US" sz="1583"/>
               <a:t>Public understanding of AI and data should be promoted wherever possible</a:t>
             </a:r>
           </a:p>
           <a:p>
             <a:pPr marL="685175" lvl="1" indent="-380365"/>
-            <a:endParaRPr lang="en-US" sz="1583" dirty="0"/>
+            <a:endParaRPr lang="en-US" sz="1583"/>
           </a:p>
           <a:p>
             <a:pPr marL="380365" indent="-380365"/>
             <a:r>
-              <a:rPr lang="en-US" sz="1850" dirty="0"/>
+              <a:rPr lang="en-US" sz="1850"/>
               <a:t>Fairness</a:t>
             </a:r>
           </a:p>
           <a:p>
             <a:pPr marL="685175" lvl="1" indent="-380365"/>
             <a:r>
-              <a:rPr lang="en-US" sz="1583" dirty="0"/>
+              <a:rPr lang="en-US" sz="1583"/>
               <a:t>Research should promote social justice, fairness, non-discrimination, and inclusivity.</a:t>
             </a:r>
           </a:p>
@@ -1231,7 +1191,7 @@
               <a:tabLst/>
               <a:defRPr/>
             </a:pPr>
-            <a:endParaRPr lang="en-US" sz="1583" dirty="0"/>
+            <a:endParaRPr lang="en-US" sz="1583"/>
           </a:p>
           <a:p>
             <a:pPr marL="685175" marR="0" lvl="1" indent="-380365" algn="l" defTabSz="914400" rtl="0" eaLnBrk="1" fontAlgn="auto" latinLnBrk="0" hangingPunct="1">
@@ -1252,24 +1212,24 @@
               <a:defRPr/>
             </a:pPr>
             <a:r>
-              <a:rPr lang="en-US" sz="1583" dirty="0"/>
+              <a:rPr lang="en-US" sz="1583"/>
               <a:t>[1] https://</a:t>
             </a:r>
             <a:r>
-              <a:rPr lang="en-US" sz="1583" dirty="0" err="1"/>
+              <a:rPr lang="en-US" sz="1583" err="1"/>
               <a:t>www.nature.com</a:t>
             </a:r>
             <a:r>
-              <a:rPr lang="en-US" sz="1583" dirty="0"/>
+              <a:rPr lang="en-US" sz="1583"/>
               <a:t>/articles/s41598-024-54271-x.pdf</a:t>
             </a:r>
           </a:p>
           <a:p>
             <a:pPr marL="685175" lvl="1" indent="-380365"/>
-            <a:endParaRPr lang="en-US" sz="1583" dirty="0"/>
-          </a:p>
-          <a:p>
-            <a:endParaRPr lang="en-US" dirty="0"/>
+            <a:endParaRPr lang="en-US" sz="1583"/>
+          </a:p>
+          <a:p>
+            <a:endParaRPr lang="en-US"/>
           </a:p>
         </p:txBody>
       </p:sp>
@@ -1356,143 +1316,31 @@
         </p:nvSpPr>
         <p:spPr/>
       </p:sp>
-      <mc:AlternateContent xmlns:mc="http://schemas.openxmlformats.org/markup-compatibility/2006" xmlns:a14="http://schemas.microsoft.com/office/drawing/2010/main">
-        <mc:Choice Requires="a14">
-          <p:sp>
-            <p:nvSpPr>
-              <p:cNvPr id="3" name="Notes Placeholder 2">
-                <a:extLst>
-                  <a:ext uri="{FF2B5EF4-FFF2-40B4-BE49-F238E27FC236}">
-                    <a16:creationId xmlns:a16="http://schemas.microsoft.com/office/drawing/2014/main" id="{8C191B8F-A24C-8F85-44B4-870C4AF6DADA}"/>
-                  </a:ext>
-                </a:extLst>
-              </p:cNvPr>
-              <p:cNvSpPr>
-                <a:spLocks noGrp="1"/>
-              </p:cNvSpPr>
-              <p:nvPr>
-                <p:ph type="body" idx="1"/>
-              </p:nvPr>
-            </p:nvSpPr>
-            <p:spPr/>
-            <p:txBody>
-              <a:bodyPr/>
-              <a:lstStyle/>
-              <a:p>
-                <a:endParaRPr lang="en-US" dirty="0"/>
-              </a:p>
-            </p:txBody>
-          </p:sp>
-        </mc:Choice>
-        <mc:Fallback xmlns="">
-          <p:sp>
-            <p:nvSpPr>
-              <p:cNvPr id="3" name="Notes Placeholder 2">
-                <a:extLst>
-                  <a:ext uri="{FF2B5EF4-FFF2-40B4-BE49-F238E27FC236}">
-                    <a16:creationId xmlns:a16="http://schemas.microsoft.com/office/drawing/2014/main" id="{8C191B8F-A24C-8F85-44B4-870C4AF6DADA}"/>
-                  </a:ext>
-                </a:extLst>
-              </p:cNvPr>
-              <p:cNvSpPr>
-                <a:spLocks noGrp="1"/>
-              </p:cNvSpPr>
-              <p:nvPr>
-                <p:ph type="body" idx="1"/>
-              </p:nvPr>
-            </p:nvSpPr>
-            <p:spPr/>
-            <p:txBody>
-              <a:bodyPr/>
-              <a:lstStyle/>
-              <a:p>
-                <a:r>
-                  <a:rPr lang="en-US" dirty="0"/>
-                  <a:t>Intro to </a:t>
-                </a:r>
-                <a:r>
-                  <a:rPr lang="en-US" dirty="0" err="1"/>
-                  <a:t>LoRA</a:t>
-                </a:r>
-                <a:r>
-                  <a:rPr lang="en-US" dirty="0"/>
-                  <a:t>:</a:t>
-                </a:r>
-              </a:p>
-              <a:p>
-                <a:endParaRPr lang="en-US" dirty="0"/>
-              </a:p>
-              <a:p>
-                <a:endParaRPr lang="en-US" dirty="0"/>
-              </a:p>
-              <a:p>
-                <a:r>
-                  <a:rPr lang="en-US" dirty="0"/>
-                  <a:t>PEFT Library</a:t>
-                </a:r>
-              </a:p>
-              <a:p>
-                <a:endParaRPr lang="en-US" dirty="0"/>
-              </a:p>
-              <a:p>
-                <a:r>
-                  <a:rPr lang="en-US" dirty="0"/>
-                  <a:t>Typically, NN weights are normally distributed around 0, with some standard deviation </a:t>
-                </a:r>
-                <a:r>
-                  <a:rPr lang="en-GB" b="0" i="0">
-                    <a:latin typeface="Cambria Math" panose="02040503050406030204" pitchFamily="18" charset="0"/>
-                  </a:rPr>
-                  <a:t>𝜎</a:t>
-                </a:r>
-                <a:r>
-                  <a:rPr lang="en-US" dirty="0"/>
-                  <a:t>. This means that we can scale the weights</a:t>
-                </a:r>
-                <a:r>
-                  <a:rPr lang="en-US" baseline="0" dirty="0"/>
-                  <a:t> to any range we want, just by scaling the standard deviation.</a:t>
-                </a:r>
-              </a:p>
-              <a:p>
-                <a:endParaRPr lang="en-US" baseline="0" dirty="0"/>
-              </a:p>
-              <a:p>
-                <a:r>
-                  <a:rPr lang="en-US" baseline="0" dirty="0"/>
-                  <a:t>With NF4, divide the distribution of weights in quantiles, and essentially bin the weights into those quantiles.</a:t>
-                </a:r>
-              </a:p>
-              <a:p>
-                <a:endParaRPr lang="en-US" baseline="0" dirty="0"/>
-              </a:p>
-              <a:p>
-                <a:r>
-                  <a:rPr lang="en-US" baseline="0" dirty="0"/>
-                  <a:t>In </a:t>
-                </a:r>
-                <a:r>
-                  <a:rPr lang="en-US" baseline="0" dirty="0" err="1"/>
-                  <a:t>QLoRA</a:t>
-                </a:r>
-                <a:r>
-                  <a:rPr lang="en-US" baseline="0" dirty="0"/>
-                  <a:t>, we first get the low-rank matrices for the weights, then we quantize the weights, but A and B are kept in their high-precision form. We only compute the gradients for the </a:t>
-                </a:r>
-                <a:r>
-                  <a:rPr lang="en-US" baseline="0" dirty="0" err="1"/>
-                  <a:t>LoRA</a:t>
-                </a:r>
-                <a:r>
-                  <a:rPr lang="en-US" baseline="0" dirty="0"/>
-                  <a:t> parameters. However, what happens on the forward and backward passes? We can’t add two different datatypes</a:t>
-                </a:r>
-                <a:endParaRPr lang="en-US" dirty="0"/>
-              </a:p>
-            </p:txBody>
-          </p:sp>
-        </mc:Fallback>
-      </mc:AlternateContent>
+      <p:sp>
+        <p:nvSpPr>
+          <p:cNvPr id="3" name="Notes Placeholder 2">
+            <a:extLst>
+              <a:ext uri="{FF2B5EF4-FFF2-40B4-BE49-F238E27FC236}">
+                <a16:creationId xmlns:a16="http://schemas.microsoft.com/office/drawing/2014/main" id="{8C191B8F-A24C-8F85-44B4-870C4AF6DADA}"/>
+              </a:ext>
+            </a:extLst>
+          </p:cNvPr>
+          <p:cNvSpPr>
+            <a:spLocks noGrp="1"/>
+          </p:cNvSpPr>
+          <p:nvPr>
+            <p:ph type="body" idx="1"/>
+          </p:nvPr>
+        </p:nvSpPr>
+        <p:spPr/>
+        <p:txBody>
+          <a:bodyPr/>
+          <a:lstStyle/>
+          <a:p>
+            <a:endParaRPr lang="en-US"/>
+          </a:p>
+        </p:txBody>
+      </p:sp>
       <p:sp>
         <p:nvSpPr>
           <p:cNvPr id="4" name="Slide Number Placeholder 3">
@@ -1684,7 +1532,7 @@
           <a:p>
             <a:fld id="{2185A9EE-61BB-544D-B1D5-1B0DBC914F8B}" type="datetimeFigureOut">
               <a:rPr lang="en-US" smtClean="0"/>
-              <a:t>2/20/24</a:t>
+              <a:t>3/17/2024</a:t>
             </a:fld>
             <a:endParaRPr lang="en-US"/>
           </a:p>
@@ -1884,7 +1732,7 @@
           <a:p>
             <a:fld id="{2185A9EE-61BB-544D-B1D5-1B0DBC914F8B}" type="datetimeFigureOut">
               <a:rPr lang="en-US" smtClean="0"/>
-              <a:t>2/20/24</a:t>
+              <a:t>3/17/2024</a:t>
             </a:fld>
             <a:endParaRPr lang="en-US"/>
           </a:p>
@@ -2094,7 +1942,7 @@
           <a:p>
             <a:fld id="{2185A9EE-61BB-544D-B1D5-1B0DBC914F8B}" type="datetimeFigureOut">
               <a:rPr lang="en-US" smtClean="0"/>
-              <a:t>2/20/24</a:t>
+              <a:t>3/17/2024</a:t>
             </a:fld>
             <a:endParaRPr lang="en-US"/>
           </a:p>
@@ -3017,7 +2865,7 @@
           <a:p>
             <a:fld id="{2185A9EE-61BB-544D-B1D5-1B0DBC914F8B}" type="datetimeFigureOut">
               <a:rPr lang="en-US" smtClean="0"/>
-              <a:t>2/20/24</a:t>
+              <a:t>3/17/2024</a:t>
             </a:fld>
             <a:endParaRPr lang="en-US"/>
           </a:p>
@@ -3293,7 +3141,7 @@
           <a:p>
             <a:fld id="{2185A9EE-61BB-544D-B1D5-1B0DBC914F8B}" type="datetimeFigureOut">
               <a:rPr lang="en-US" smtClean="0"/>
-              <a:t>2/20/24</a:t>
+              <a:t>3/17/2024</a:t>
             </a:fld>
             <a:endParaRPr lang="en-US"/>
           </a:p>
@@ -3561,7 +3409,7 @@
           <a:p>
             <a:fld id="{2185A9EE-61BB-544D-B1D5-1B0DBC914F8B}" type="datetimeFigureOut">
               <a:rPr lang="en-US" smtClean="0"/>
-              <a:t>2/20/24</a:t>
+              <a:t>3/17/2024</a:t>
             </a:fld>
             <a:endParaRPr lang="en-US"/>
           </a:p>
@@ -3976,7 +3824,7 @@
           <a:p>
             <a:fld id="{2185A9EE-61BB-544D-B1D5-1B0DBC914F8B}" type="datetimeFigureOut">
               <a:rPr lang="en-US" smtClean="0"/>
-              <a:t>2/20/24</a:t>
+              <a:t>3/17/2024</a:t>
             </a:fld>
             <a:endParaRPr lang="en-US"/>
           </a:p>
@@ -4118,7 +3966,7 @@
           <a:p>
             <a:fld id="{2185A9EE-61BB-544D-B1D5-1B0DBC914F8B}" type="datetimeFigureOut">
               <a:rPr lang="en-US" smtClean="0"/>
-              <a:t>2/20/24</a:t>
+              <a:t>3/17/2024</a:t>
             </a:fld>
             <a:endParaRPr lang="en-US"/>
           </a:p>
@@ -4231,7 +4079,7 @@
           <a:p>
             <a:fld id="{2185A9EE-61BB-544D-B1D5-1B0DBC914F8B}" type="datetimeFigureOut">
               <a:rPr lang="en-US" smtClean="0"/>
-              <a:t>2/20/24</a:t>
+              <a:t>3/17/2024</a:t>
             </a:fld>
             <a:endParaRPr lang="en-US"/>
           </a:p>
@@ -4544,7 +4392,7 @@
           <a:p>
             <a:fld id="{2185A9EE-61BB-544D-B1D5-1B0DBC914F8B}" type="datetimeFigureOut">
               <a:rPr lang="en-US" smtClean="0"/>
-              <a:t>2/20/24</a:t>
+              <a:t>3/17/2024</a:t>
             </a:fld>
             <a:endParaRPr lang="en-US"/>
           </a:p>
@@ -4833,7 +4681,7 @@
           <a:p>
             <a:fld id="{2185A9EE-61BB-544D-B1D5-1B0DBC914F8B}" type="datetimeFigureOut">
               <a:rPr lang="en-US" smtClean="0"/>
-              <a:t>2/20/24</a:t>
+              <a:t>3/17/2024</a:t>
             </a:fld>
             <a:endParaRPr lang="en-US"/>
           </a:p>
@@ -5076,7 +4924,7 @@
           <a:p>
             <a:fld id="{2185A9EE-61BB-544D-B1D5-1B0DBC914F8B}" type="datetimeFigureOut">
               <a:rPr lang="en-US" smtClean="0"/>
-              <a:t>2/20/24</a:t>
+              <a:t>3/17/2024</a:t>
             </a:fld>
             <a:endParaRPr lang="en-US"/>
           </a:p>
@@ -5525,7 +5373,7 @@
           <a:lstStyle/>
           <a:p>
             <a:r>
-              <a:rPr lang="en-GB" dirty="0"/>
+              <a:rPr lang="en-GB"/>
               <a:t>Data Ethics</a:t>
             </a:r>
           </a:p>
@@ -5591,7 +5439,7 @@
           <a:lstStyle/>
           <a:p>
             <a:r>
-              <a:rPr lang="en-US" dirty="0"/>
+              <a:rPr lang="en-US"/>
               <a:t>Your challenges around AI and data</a:t>
             </a:r>
           </a:p>
@@ -5629,7 +5477,7 @@
               <a:buNone/>
             </a:pPr>
             <a:r>
-              <a:rPr lang="en-US" sz="2800" b="1" i="1" dirty="0">
+              <a:rPr lang="en-US" sz="2800" b="1" i="1">
                 <a:solidFill>
                   <a:srgbClr val="404040"/>
                 </a:solidFill>
@@ -5642,7 +5490,7 @@
               <a:buNone/>
             </a:pPr>
             <a:r>
-              <a:rPr lang="en-US" sz="2800" b="1" i="1" dirty="0">
+              <a:rPr lang="en-US" sz="2800" b="1" i="1">
                 <a:solidFill>
                   <a:srgbClr val="404040"/>
                 </a:solidFill>
@@ -5712,7 +5560,7 @@
           <a:lstStyle/>
           <a:p>
             <a:r>
-              <a:rPr lang="en-US" dirty="0"/>
+              <a:rPr lang="en-US"/>
               <a:t>General Challenges of Ethics in AI</a:t>
             </a:r>
           </a:p>
@@ -5748,7 +5596,7 @@
           <a:p>
             <a:pPr marL="380365" indent="-380365"/>
             <a:r>
-              <a:rPr lang="en-US" sz="1850" dirty="0">
+              <a:rPr lang="en-US" sz="1850">
                 <a:solidFill>
                   <a:srgbClr val="404040"/>
                 </a:solidFill>
@@ -5759,7 +5607,7 @@
           <a:p>
             <a:pPr marL="685175" lvl="1" indent="-380365"/>
             <a:r>
-              <a:rPr lang="en-US" dirty="0">
+              <a:rPr lang="en-US">
                 <a:solidFill>
                   <a:srgbClr val="404040"/>
                 </a:solidFill>
@@ -5769,7 +5617,7 @@
           </a:p>
           <a:p>
             <a:pPr marL="685175" lvl="1" indent="-380365"/>
-            <a:endParaRPr lang="en-US" dirty="0">
+            <a:endParaRPr lang="en-US">
               <a:solidFill>
                 <a:srgbClr val="404040"/>
               </a:solidFill>
@@ -5778,7 +5626,7 @@
           <a:p>
             <a:pPr marL="380365" indent="-380365"/>
             <a:r>
-              <a:rPr lang="en-US" dirty="0">
+              <a:rPr lang="en-US">
                 <a:solidFill>
                   <a:srgbClr val="404040"/>
                 </a:solidFill>
@@ -5789,7 +5637,7 @@
           <a:p>
             <a:pPr marL="685175" lvl="1" indent="-380365"/>
             <a:r>
-              <a:rPr lang="en-US" dirty="0">
+              <a:rPr lang="en-US">
                 <a:solidFill>
                   <a:srgbClr val="404040"/>
                 </a:solidFill>
@@ -5799,7 +5647,7 @@
           </a:p>
           <a:p>
             <a:pPr marL="685175" lvl="1" indent="-380365"/>
-            <a:endParaRPr lang="en-US" dirty="0">
+            <a:endParaRPr lang="en-US">
               <a:solidFill>
                 <a:srgbClr val="404040"/>
               </a:solidFill>
@@ -5808,7 +5656,7 @@
           <a:p>
             <a:pPr marL="380365" indent="-380365"/>
             <a:r>
-              <a:rPr lang="en-US" dirty="0">
+              <a:rPr lang="en-US">
                 <a:solidFill>
                   <a:srgbClr val="404040"/>
                 </a:solidFill>
@@ -5819,14 +5667,14 @@
           <a:p>
             <a:pPr marL="685175" lvl="1" indent="-380365"/>
             <a:r>
-              <a:rPr lang="en-US" dirty="0">
+              <a:rPr lang="en-US">
                 <a:solidFill>
                   <a:srgbClr val="404040"/>
                 </a:solidFill>
               </a:rPr>
               <a:t>A significant amount of research now involves collaborations between multiple research groups and potentially with private organization. This can lead to conflicting standards of ethical review.</a:t>
             </a:r>
-            <a:endParaRPr lang="en-US" sz="1850" dirty="0">
+            <a:endParaRPr lang="en-US" sz="1850">
               <a:solidFill>
                 <a:srgbClr val="404040"/>
               </a:solidFill>
@@ -5835,7 +5683,7 @@
           <a:p>
             <a:pPr marL="685175" lvl="1" indent="-380365"/>
             <a:r>
-              <a:rPr lang="en-US" dirty="0">
+              <a:rPr lang="en-US">
                 <a:solidFill>
                   <a:srgbClr val="404040"/>
                 </a:solidFill>
@@ -5905,7 +5753,7 @@
           <a:lstStyle/>
           <a:p>
             <a:r>
-              <a:rPr lang="en-US" dirty="0"/>
+              <a:rPr lang="en-US"/>
               <a:t>General guidelines</a:t>
             </a:r>
           </a:p>
@@ -5941,145 +5789,145 @@
           <a:p>
             <a:pPr marL="380365" indent="-380365"/>
             <a:r>
-              <a:rPr lang="en-US" sz="1850" dirty="0"/>
+              <a:rPr lang="en-US" sz="1850"/>
               <a:t>Do No Harm</a:t>
             </a:r>
           </a:p>
           <a:p>
             <a:pPr marL="685175" lvl="1" indent="-380365"/>
             <a:r>
-              <a:rPr lang="en-US" sz="1583" dirty="0"/>
+              <a:rPr lang="en-US" sz="1583"/>
               <a:t>Try not go beyond what is necessary to achieve a specific aim. Risk assessment should be used to prevent harms.</a:t>
             </a:r>
           </a:p>
           <a:p>
             <a:pPr marL="380365" indent="-380365"/>
             <a:r>
-              <a:rPr lang="en-US" sz="1850" dirty="0"/>
+              <a:rPr lang="en-US" sz="1850"/>
               <a:t>Safety and Security</a:t>
             </a:r>
           </a:p>
           <a:p>
             <a:pPr marL="685175" lvl="1" indent="-380365"/>
             <a:r>
-              <a:rPr lang="en-US" sz="1583" dirty="0"/>
+              <a:rPr lang="en-US" sz="1583"/>
               <a:t>Vulnerabilities to attack should be addressed.</a:t>
             </a:r>
           </a:p>
           <a:p>
             <a:pPr marL="380365" indent="-380365"/>
             <a:r>
-              <a:rPr lang="en-US" sz="1850" dirty="0"/>
+              <a:rPr lang="en-US" sz="1850"/>
               <a:t>Privacy and protection</a:t>
             </a:r>
           </a:p>
           <a:p>
             <a:pPr marL="685175" lvl="1" indent="-380365"/>
             <a:r>
-              <a:rPr lang="en-US" sz="1583" dirty="0"/>
+              <a:rPr lang="en-US" sz="1583"/>
               <a:t>Privacy must be protected throughout, and adequate data protection frameworks should be established.</a:t>
             </a:r>
           </a:p>
           <a:p>
             <a:pPr marL="380365" indent="-380365"/>
             <a:r>
-              <a:rPr lang="en-US" sz="1850" dirty="0"/>
+              <a:rPr lang="en-US" sz="1850"/>
               <a:t>Accountability</a:t>
             </a:r>
           </a:p>
           <a:p>
             <a:pPr marL="685175" lvl="1" indent="-380365"/>
             <a:r>
-              <a:rPr lang="en-US" sz="1583" dirty="0"/>
+              <a:rPr lang="en-US" sz="1583"/>
               <a:t>All systems should be auditable and traceable.</a:t>
             </a:r>
           </a:p>
           <a:p>
             <a:pPr marL="380365" indent="-380365"/>
             <a:r>
-              <a:rPr lang="en-US" sz="1850" dirty="0"/>
+              <a:rPr lang="en-US" sz="1850"/>
               <a:t>Transparency and </a:t>
             </a:r>
             <a:r>
-              <a:rPr lang="en-US" sz="1850" dirty="0" err="1"/>
+              <a:rPr lang="en-US" sz="1850" err="1"/>
               <a:t>explainability</a:t>
             </a:r>
-            <a:endParaRPr lang="en-US" sz="1850" dirty="0"/>
+            <a:endParaRPr lang="en-US" sz="1850"/>
           </a:p>
           <a:p>
             <a:pPr marL="685175" lvl="1" indent="-380365"/>
             <a:r>
-              <a:rPr lang="en-US" sz="1583" dirty="0"/>
+              <a:rPr lang="en-US" sz="1583"/>
               <a:t>The level of transparency and </a:t>
             </a:r>
             <a:r>
-              <a:rPr lang="en-US" sz="1583" dirty="0" err="1"/>
+              <a:rPr lang="en-US" sz="1583" err="1"/>
               <a:t>explainability</a:t>
             </a:r>
             <a:r>
-              <a:rPr lang="en-US" sz="1583" dirty="0"/>
+              <a:rPr lang="en-US" sz="1583"/>
               <a:t> should be appropriate so as not to conflict with privacy and safety.</a:t>
             </a:r>
           </a:p>
           <a:p>
             <a:pPr marL="380365" indent="-380365"/>
             <a:r>
-              <a:rPr lang="en-US" sz="1850" dirty="0"/>
+              <a:rPr lang="en-US" sz="1850"/>
               <a:t>Human-in-the-loop</a:t>
             </a:r>
           </a:p>
           <a:p>
             <a:pPr marL="685175" lvl="1" indent="-380365"/>
             <a:r>
-              <a:rPr lang="en-US" sz="1583" dirty="0"/>
+              <a:rPr lang="en-US" sz="1583"/>
               <a:t>AI systems should never replace human responsibility and accountability.</a:t>
             </a:r>
           </a:p>
           <a:p>
             <a:pPr marL="380365" indent="-380365"/>
             <a:r>
-              <a:rPr lang="en-US" sz="1850" dirty="0"/>
+              <a:rPr lang="en-US" sz="1850"/>
               <a:t>Sustainability</a:t>
             </a:r>
           </a:p>
           <a:p>
             <a:pPr marL="685175" lvl="1" indent="-380365"/>
             <a:r>
-              <a:rPr lang="en-US" sz="1583" dirty="0"/>
+              <a:rPr lang="en-US" sz="1583"/>
               <a:t>Assess the impact of your research on the environment.</a:t>
             </a:r>
           </a:p>
           <a:p>
             <a:pPr marL="380365" indent="-380365"/>
             <a:r>
-              <a:rPr lang="en-US" sz="1850" dirty="0"/>
+              <a:rPr lang="en-US" sz="1850"/>
               <a:t>Awareness</a:t>
             </a:r>
           </a:p>
           <a:p>
             <a:pPr marL="685175" lvl="1" indent="-380365"/>
             <a:r>
-              <a:rPr lang="en-US" sz="1583" dirty="0"/>
+              <a:rPr lang="en-US" sz="1583"/>
               <a:t>Public understanding of AI and data should be promoted wherever possible</a:t>
             </a:r>
           </a:p>
           <a:p>
             <a:pPr marL="380365" indent="-380365"/>
             <a:r>
-              <a:rPr lang="en-US" sz="1850" dirty="0"/>
+              <a:rPr lang="en-US" sz="1850"/>
               <a:t>Fairness</a:t>
             </a:r>
           </a:p>
           <a:p>
             <a:pPr marL="685175" lvl="1" indent="-380365"/>
             <a:r>
-              <a:rPr lang="en-US" sz="1583" dirty="0"/>
+              <a:rPr lang="en-US" sz="1583"/>
               <a:t>Research should promote social justice, fairness, non-discrimination, and inclusivity.</a:t>
             </a:r>
           </a:p>
           <a:p>
             <a:pPr marL="380365" indent="-380365"/>
-            <a:endParaRPr lang="en-US" sz="1850" dirty="0"/>
+            <a:endParaRPr lang="en-US" sz="1850"/>
           </a:p>
         </p:txBody>
       </p:sp>
@@ -6143,7 +5991,7 @@
           <a:lstStyle/>
           <a:p>
             <a:r>
-              <a:rPr lang="en-US" dirty="0"/>
+              <a:rPr lang="en-US"/>
               <a:t>Resources</a:t>
             </a:r>
           </a:p>
@@ -6181,7 +6029,7 @@
               <a:buNone/>
             </a:pPr>
             <a:r>
-              <a:rPr lang="en-US" sz="1850" dirty="0">
+              <a:rPr lang="en-US" sz="1850">
                 <a:solidFill>
                   <a:srgbClr val="404040"/>
                 </a:solidFill>
@@ -6189,7 +6037,7 @@
               </a:rPr>
               <a:t>The dangers of using proprietary LLMs for research</a:t>
             </a:r>
-            <a:endParaRPr lang="en-US" dirty="0">
+            <a:endParaRPr lang="en-US">
               <a:solidFill>
                 <a:srgbClr val="404040"/>
               </a:solidFill>
@@ -6200,7 +6048,7 @@
               <a:buNone/>
             </a:pPr>
             <a:r>
-              <a:rPr lang="en-US" sz="1850" dirty="0">
+              <a:rPr lang="en-US" sz="1850">
                 <a:solidFill>
                   <a:srgbClr val="404040"/>
                 </a:solidFill>
@@ -6208,7 +6056,7 @@
               </a:rPr>
               <a:t>Framework for responsible research and innovation</a:t>
             </a:r>
-            <a:endParaRPr lang="en-US" sz="1850" dirty="0">
+            <a:endParaRPr lang="en-US" sz="1850">
               <a:solidFill>
                 <a:srgbClr val="404040"/>
               </a:solidFill>
@@ -6219,7 +6067,7 @@
               <a:buNone/>
             </a:pPr>
             <a:r>
-              <a:rPr lang="en-US" sz="1850" dirty="0">
+              <a:rPr lang="en-US" sz="1850">
                 <a:solidFill>
                   <a:srgbClr val="404040"/>
                 </a:solidFill>
@@ -6227,7 +6075,7 @@
               </a:rPr>
               <a:t>UNESCO Ethics of Artificial Intelligence</a:t>
             </a:r>
-            <a:endParaRPr lang="en-US" sz="1850" dirty="0">
+            <a:endParaRPr lang="en-US" sz="1850">
               <a:solidFill>
                 <a:srgbClr val="404040"/>
               </a:solidFill>
@@ -6237,7 +6085,7 @@
             <a:pPr marL="0" indent="0">
               <a:buNone/>
             </a:pPr>
-            <a:endParaRPr lang="en-US" sz="1850" dirty="0">
+            <a:endParaRPr lang="en-US" sz="1850">
               <a:solidFill>
                 <a:srgbClr val="404040"/>
               </a:solidFill>
@@ -6247,7 +6095,7 @@
             <a:pPr marL="0" indent="0">
               <a:buNone/>
             </a:pPr>
-            <a:endParaRPr lang="en-US" sz="1850" dirty="0">
+            <a:endParaRPr lang="en-US" sz="1850">
               <a:solidFill>
                 <a:srgbClr val="404040"/>
               </a:solidFill>
@@ -6283,7 +6131,7 @@
           </a:bodyPr>
           <a:lstStyle/>
           <a:p>
-            <a:endParaRPr lang="en-US" dirty="0"/>
+            <a:endParaRPr lang="en-US"/>
           </a:p>
         </p:txBody>
       </p:sp>
